--- a/Marketing Analytics.pptx
+++ b/Marketing Analytics.pptx
@@ -8,6 +8,7 @@
     <p:sldId id="256" r:id="rId2"/>
     <p:sldId id="257" r:id="rId3"/>
     <p:sldId id="258" r:id="rId4"/>
+    <p:sldId id="259" r:id="rId5"/>
   </p:sldIdLst>
   <p:sldSz cx="12192000" cy="6858000"/>
   <p:notesSz cx="6858000" cy="9144000"/>
@@ -106,6 +107,11 @@
       </a:defRPr>
     </a:lvl9pPr>
   </p:defaultTextStyle>
+  <p:extLst>
+    <p:ext uri="{EFAFB233-063F-42B5-8137-9DF3F51BA10A}">
+      <p15:sldGuideLst xmlns:p15="http://schemas.microsoft.com/office/powerpoint/2012/main"/>
+    </p:ext>
+  </p:extLst>
 </p:presentation>
 </file>
 
@@ -240,7 +246,7 @@
           <a:p>
             <a:fld id="{6F1D31B8-A7AC-5A48-9681-F9CD94C750BD}" type="datetimeFigureOut">
               <a:rPr lang="en-US" smtClean="0"/>
-              <a:t>5/19/19</a:t>
+              <a:t>5/25/19</a:t>
             </a:fld>
             <a:endParaRPr lang="en-US"/>
           </a:p>
@@ -410,7 +416,7 @@
           <a:p>
             <a:fld id="{6F1D31B8-A7AC-5A48-9681-F9CD94C750BD}" type="datetimeFigureOut">
               <a:rPr lang="en-US" smtClean="0"/>
-              <a:t>5/19/19</a:t>
+              <a:t>5/25/19</a:t>
             </a:fld>
             <a:endParaRPr lang="en-US"/>
           </a:p>
@@ -590,7 +596,7 @@
           <a:p>
             <a:fld id="{6F1D31B8-A7AC-5A48-9681-F9CD94C750BD}" type="datetimeFigureOut">
               <a:rPr lang="en-US" smtClean="0"/>
-              <a:t>5/19/19</a:t>
+              <a:t>5/25/19</a:t>
             </a:fld>
             <a:endParaRPr lang="en-US"/>
           </a:p>
@@ -760,7 +766,7 @@
           <a:p>
             <a:fld id="{6F1D31B8-A7AC-5A48-9681-F9CD94C750BD}" type="datetimeFigureOut">
               <a:rPr lang="en-US" smtClean="0"/>
-              <a:t>5/19/19</a:t>
+              <a:t>5/25/19</a:t>
             </a:fld>
             <a:endParaRPr lang="en-US"/>
           </a:p>
@@ -1006,7 +1012,7 @@
           <a:p>
             <a:fld id="{6F1D31B8-A7AC-5A48-9681-F9CD94C750BD}" type="datetimeFigureOut">
               <a:rPr lang="en-US" smtClean="0"/>
-              <a:t>5/19/19</a:t>
+              <a:t>5/25/19</a:t>
             </a:fld>
             <a:endParaRPr lang="en-US"/>
           </a:p>
@@ -1238,7 +1244,7 @@
           <a:p>
             <a:fld id="{6F1D31B8-A7AC-5A48-9681-F9CD94C750BD}" type="datetimeFigureOut">
               <a:rPr lang="en-US" smtClean="0"/>
-              <a:t>5/19/19</a:t>
+              <a:t>5/25/19</a:t>
             </a:fld>
             <a:endParaRPr lang="en-US"/>
           </a:p>
@@ -1605,7 +1611,7 @@
           <a:p>
             <a:fld id="{6F1D31B8-A7AC-5A48-9681-F9CD94C750BD}" type="datetimeFigureOut">
               <a:rPr lang="en-US" smtClean="0"/>
-              <a:t>5/19/19</a:t>
+              <a:t>5/25/19</a:t>
             </a:fld>
             <a:endParaRPr lang="en-US"/>
           </a:p>
@@ -1723,7 +1729,7 @@
           <a:p>
             <a:fld id="{6F1D31B8-A7AC-5A48-9681-F9CD94C750BD}" type="datetimeFigureOut">
               <a:rPr lang="en-US" smtClean="0"/>
-              <a:t>5/19/19</a:t>
+              <a:t>5/25/19</a:t>
             </a:fld>
             <a:endParaRPr lang="en-US"/>
           </a:p>
@@ -1818,7 +1824,7 @@
           <a:p>
             <a:fld id="{6F1D31B8-A7AC-5A48-9681-F9CD94C750BD}" type="datetimeFigureOut">
               <a:rPr lang="en-US" smtClean="0"/>
-              <a:t>5/19/19</a:t>
+              <a:t>5/25/19</a:t>
             </a:fld>
             <a:endParaRPr lang="en-US"/>
           </a:p>
@@ -2095,7 +2101,7 @@
           <a:p>
             <a:fld id="{6F1D31B8-A7AC-5A48-9681-F9CD94C750BD}" type="datetimeFigureOut">
               <a:rPr lang="en-US" smtClean="0"/>
-              <a:t>5/19/19</a:t>
+              <a:t>5/25/19</a:t>
             </a:fld>
             <a:endParaRPr lang="en-US"/>
           </a:p>
@@ -2348,7 +2354,7 @@
           <a:p>
             <a:fld id="{6F1D31B8-A7AC-5A48-9681-F9CD94C750BD}" type="datetimeFigureOut">
               <a:rPr lang="en-US" smtClean="0"/>
-              <a:t>5/19/19</a:t>
+              <a:t>5/25/19</a:t>
             </a:fld>
             <a:endParaRPr lang="en-US"/>
           </a:p>
@@ -2561,7 +2567,7 @@
           <a:p>
             <a:fld id="{6F1D31B8-A7AC-5A48-9681-F9CD94C750BD}" type="datetimeFigureOut">
               <a:rPr lang="en-US" smtClean="0"/>
-              <a:t>5/19/19</a:t>
+              <a:t>5/25/19</a:t>
             </a:fld>
             <a:endParaRPr lang="en-US"/>
           </a:p>
@@ -3148,11 +3154,7 @@
             <a:pPr lvl="1"/>
             <a:r>
               <a:rPr lang="en-US" dirty="0" smtClean="0"/>
-              <a:t>Optimize inputs to maximize the objectives</a:t>
-            </a:r>
-            <a:r>
-              <a:rPr lang="en-US" dirty="0" smtClean="0"/>
-              <a:t>: </a:t>
+              <a:t>Optimize inputs to maximize the objectives: </a:t>
             </a:r>
             <a:r>
               <a:rPr lang="en-US" u="sng" dirty="0" smtClean="0"/>
@@ -3234,8 +3236,12 @@
           <a:lstStyle/>
           <a:p>
             <a:r>
+              <a:rPr lang="en-US" b="1" dirty="0"/>
+              <a:t>Segmentation is a way of organizing customers </a:t>
+            </a:r>
+            <a:r>
               <a:rPr lang="en-US" dirty="0"/>
-              <a:t>Segmentation is a way of organizing customers into </a:t>
+              <a:t>into </a:t>
             </a:r>
             <a:r>
               <a:rPr lang="en-US" dirty="0" smtClean="0"/>
@@ -3337,13 +3343,8 @@
             <a:pPr lvl="1"/>
             <a:r>
               <a:rPr lang="en-US" dirty="0" smtClean="0"/>
-              <a:t>One main issue with K-means is determining the starting point </a:t>
-            </a:r>
-            <a:r>
-              <a:rPr lang="en-US" smtClean="0"/>
-              <a:t>for K.</a:t>
-            </a:r>
-            <a:endParaRPr lang="en-US" dirty="0" smtClean="0"/>
+              <a:t>One main issue with K-means is determining the starting point for K.</a:t>
+            </a:r>
           </a:p>
           <a:p>
             <a:pPr lvl="2"/>
@@ -3369,6 +3370,146 @@
     <p:extLst>
       <p:ext uri="{BB962C8B-B14F-4D97-AF65-F5344CB8AC3E}">
         <p14:creationId xmlns:p14="http://schemas.microsoft.com/office/powerpoint/2010/main" val="1327507545"/>
+      </p:ext>
+    </p:extLst>
+  </p:cSld>
+  <p:clrMapOvr>
+    <a:masterClrMapping/>
+  </p:clrMapOvr>
+</p:sld>
+</file>
+
+<file path=ppt/slides/slide4.xml><?xml version="1.0" encoding="utf-8"?>
+<p:sld xmlns:a="http://schemas.openxmlformats.org/drawingml/2006/main" xmlns:r="http://schemas.openxmlformats.org/officeDocument/2006/relationships" xmlns:p="http://schemas.openxmlformats.org/presentationml/2006/main">
+  <p:cSld>
+    <p:spTree>
+      <p:nvGrpSpPr>
+        <p:cNvPr id="1" name=""/>
+        <p:cNvGrpSpPr/>
+        <p:nvPr/>
+      </p:nvGrpSpPr>
+      <p:grpSpPr>
+        <a:xfrm>
+          <a:off x="0" y="0"/>
+          <a:ext cx="0" cy="0"/>
+          <a:chOff x="0" y="0"/>
+          <a:chExt cx="0" cy="0"/>
+        </a:xfrm>
+      </p:grpSpPr>
+      <p:sp>
+        <p:nvSpPr>
+          <p:cNvPr id="2" name="Title 1"/>
+          <p:cNvSpPr>
+            <a:spLocks noGrp="1"/>
+          </p:cNvSpPr>
+          <p:nvPr>
+            <p:ph type="title"/>
+          </p:nvPr>
+        </p:nvSpPr>
+        <p:spPr/>
+        <p:txBody>
+          <a:bodyPr/>
+          <a:lstStyle/>
+          <a:p>
+            <a:r>
+              <a:rPr lang="en-US" dirty="0" smtClean="0"/>
+              <a:t>Conjoint Analysis for Feature Tradeoff Analysis</a:t>
+            </a:r>
+            <a:endParaRPr lang="en-US" dirty="0"/>
+          </a:p>
+        </p:txBody>
+      </p:sp>
+      <p:sp>
+        <p:nvSpPr>
+          <p:cNvPr id="3" name="Content Placeholder 2"/>
+          <p:cNvSpPr>
+            <a:spLocks noGrp="1"/>
+          </p:cNvSpPr>
+          <p:nvPr>
+            <p:ph idx="1"/>
+          </p:nvPr>
+        </p:nvSpPr>
+        <p:spPr/>
+        <p:txBody>
+          <a:bodyPr/>
+          <a:lstStyle/>
+          <a:p>
+            <a:r>
+              <a:rPr lang="en-US" dirty="0" smtClean="0"/>
+              <a:t>Literally means an analysis of features considered jointly.</a:t>
+            </a:r>
+          </a:p>
+          <a:p>
+            <a:pPr lvl="1"/>
+            <a:r>
+              <a:rPr lang="en-US" b="1" dirty="0" smtClean="0"/>
+              <a:t>Infer value of individual features through experiments </a:t>
+            </a:r>
+            <a:r>
+              <a:rPr lang="en-US" dirty="0" smtClean="0"/>
+              <a:t>- manipulating product attributes while observing customer ratings for that product or choices among competing products. Sample below.</a:t>
+            </a:r>
+          </a:p>
+          <a:p>
+            <a:pPr lvl="1"/>
+            <a:r>
+              <a:rPr lang="en-US" dirty="0"/>
+              <a:t>Analyze what </a:t>
+            </a:r>
+            <a:r>
+              <a:rPr lang="en-US" dirty="0"/>
+              <a:t>average consumers would be willing to give up on one particular </a:t>
+            </a:r>
+            <a:r>
+              <a:rPr lang="en-US" dirty="0"/>
+              <a:t>attribute to gain </a:t>
+            </a:r>
+            <a:r>
+              <a:rPr lang="en-US" dirty="0"/>
+              <a:t>improvements in </a:t>
+            </a:r>
+            <a:r>
+              <a:rPr lang="en-US" dirty="0" smtClean="0"/>
+              <a:t>another.</a:t>
+            </a:r>
+            <a:endParaRPr lang="en-US" dirty="0"/>
+          </a:p>
+        </p:txBody>
+      </p:sp>
+      <p:pic>
+        <p:nvPicPr>
+          <p:cNvPr id="4" name="Picture 3"/>
+          <p:cNvPicPr>
+            <a:picLocks noChangeAspect="1"/>
+          </p:cNvPicPr>
+          <p:nvPr/>
+        </p:nvPicPr>
+        <p:blipFill>
+          <a:blip r:embed="rId2">
+            <a:extLst>
+              <a:ext uri="{28A0092B-C50C-407E-A947-70E740481C1C}">
+                <a14:useLocalDpi xmlns:a14="http://schemas.microsoft.com/office/drawing/2010/main" val="0"/>
+              </a:ext>
+            </a:extLst>
+          </a:blip>
+          <a:stretch>
+            <a:fillRect/>
+          </a:stretch>
+        </p:blipFill>
+        <p:spPr>
+          <a:xfrm>
+            <a:off x="1926974" y="4071760"/>
+            <a:ext cx="7708900" cy="2057400"/>
+          </a:xfrm>
+          <a:prstGeom prst="rect">
+            <a:avLst/>
+          </a:prstGeom>
+        </p:spPr>
+      </p:pic>
+    </p:spTree>
+    <p:extLst>
+      <p:ext uri="{BB962C8B-B14F-4D97-AF65-F5344CB8AC3E}">
+        <p14:creationId xmlns:p14="http://schemas.microsoft.com/office/powerpoint/2010/main" val="1288466983"/>
       </p:ext>
     </p:extLst>
   </p:cSld>

--- a/Marketing Analytics.pptx
+++ b/Marketing Analytics.pptx
@@ -3447,7 +3447,7 @@
             </a:r>
             <a:r>
               <a:rPr lang="en-US" dirty="0" smtClean="0"/>
-              <a:t>- manipulating product attributes while observing customer ratings for that product or choices among competing products. Sample below.</a:t>
+              <a:t>- manipulating product attributes and observing customer ratings for that product (Table5.1)</a:t>
             </a:r>
           </a:p>
           <a:p>
@@ -3471,6 +3471,21 @@
             <a:r>
               <a:rPr lang="en-US" dirty="0" smtClean="0"/>
               <a:t>another.</a:t>
+            </a:r>
+          </a:p>
+          <a:p>
+            <a:pPr lvl="1"/>
+            <a:r>
+              <a:rPr lang="en-US" dirty="0" smtClean="0"/>
+              <a:t>Mathematically </a:t>
+            </a:r>
+            <a:r>
+              <a:rPr lang="mr-IN" dirty="0" smtClean="0"/>
+              <a:t>–</a:t>
+            </a:r>
+            <a:r>
+              <a:rPr lang="en-US" dirty="0" smtClean="0"/>
+              <a:t> the variance of estimated utility within a given attribute.</a:t>
             </a:r>
             <a:endParaRPr lang="en-US" dirty="0"/>
           </a:p>
@@ -3498,8 +3513,38 @@
         </p:blipFill>
         <p:spPr>
           <a:xfrm>
-            <a:off x="1926974" y="4071760"/>
-            <a:ext cx="7708900" cy="2057400"/>
+            <a:off x="1125590" y="4254500"/>
+            <a:ext cx="5460145" cy="2057400"/>
+          </a:xfrm>
+          <a:prstGeom prst="rect">
+            <a:avLst/>
+          </a:prstGeom>
+        </p:spPr>
+      </p:pic>
+      <p:pic>
+        <p:nvPicPr>
+          <p:cNvPr id="5" name="Picture 4"/>
+          <p:cNvPicPr>
+            <a:picLocks noChangeAspect="1"/>
+          </p:cNvPicPr>
+          <p:nvPr/>
+        </p:nvPicPr>
+        <p:blipFill>
+          <a:blip r:embed="rId3">
+            <a:extLst>
+              <a:ext uri="{28A0092B-C50C-407E-A947-70E740481C1C}">
+                <a14:useLocalDpi xmlns:a14="http://schemas.microsoft.com/office/drawing/2010/main" val="0"/>
+              </a:ext>
+            </a:extLst>
+          </a:blip>
+          <a:stretch>
+            <a:fillRect/>
+          </a:stretch>
+        </p:blipFill>
+        <p:spPr>
+          <a:xfrm>
+            <a:off x="6873125" y="4366517"/>
+            <a:ext cx="4843694" cy="2062331"/>
           </a:xfrm>
           <a:prstGeom prst="rect">
             <a:avLst/>

--- a/Marketing Analytics.pptx
+++ b/Marketing Analytics.pptx
@@ -3012,13 +3012,36 @@
           <a:p>
             <a:r>
               <a:rPr lang="en-US" dirty="0" smtClean="0"/>
-              <a:t>Concepts and Practice</a:t>
-            </a:r>
+              <a:t>Cliff Notes on Concepts, Practice</a:t>
+            </a:r>
+            <a:endParaRPr lang="en-US" dirty="0" smtClean="0"/>
           </a:p>
           <a:p>
             <a:r>
               <a:rPr lang="en-US" sz="2000" dirty="0" smtClean="0"/>
-              <a:t>Based on Cutting-Edge Marketing Analytics by </a:t>
+              <a:t>Based on </a:t>
+            </a:r>
+            <a:r>
+              <a:rPr lang="en-US" sz="2000" b="1" dirty="0" smtClean="0">
+                <a:hlinkClick r:id="rId2"/>
+              </a:rPr>
+              <a:t>Cutting-Edge </a:t>
+            </a:r>
+            <a:r>
+              <a:rPr lang="en-US" sz="2000" b="1" dirty="0" smtClean="0">
+                <a:hlinkClick r:id="rId2"/>
+              </a:rPr>
+              <a:t>Marketing </a:t>
+            </a:r>
+            <a:r>
+              <a:rPr lang="en-US" sz="2000" b="1" dirty="0" smtClean="0">
+                <a:hlinkClick r:id="rId2"/>
+              </a:rPr>
+              <a:t>Analytics</a:t>
+            </a:r>
+            <a:r>
+              <a:rPr lang="en-US" sz="2000" dirty="0" smtClean="0"/>
+              <a:t> by </a:t>
             </a:r>
             <a:r>
               <a:rPr lang="en-US" sz="2000" dirty="0" err="1" smtClean="0"/>
@@ -3230,9 +3253,16 @@
             <p:ph idx="1"/>
           </p:nvPr>
         </p:nvSpPr>
-        <p:spPr/>
-        <p:txBody>
-          <a:bodyPr/>
+        <p:spPr>
+          <a:xfrm>
+            <a:off x="838200" y="1690688"/>
+            <a:ext cx="10515600" cy="4351338"/>
+          </a:xfrm>
+        </p:spPr>
+        <p:txBody>
+          <a:bodyPr>
+            <a:normAutofit lnSpcReduction="10000"/>
+          </a:bodyPr>
           <a:lstStyle/>
           <a:p>
             <a:r>
@@ -3278,8 +3308,13 @@
             <a:pPr lvl="1"/>
             <a:r>
               <a:rPr lang="en-US" dirty="0" smtClean="0"/>
-              <a:t>Mathematically, data is grouped by their Euclidean distance to a “cluster centroid,” or conceptually a cluster’s mean.</a:t>
-            </a:r>
+              <a:t>Mathematically, data is grouped by their Euclidean distance to a “cluster centroid,” or conceptually a cluster’s mean</a:t>
+            </a:r>
+            <a:r>
+              <a:rPr lang="en-US" dirty="0" smtClean="0"/>
+              <a:t>. </a:t>
+            </a:r>
+            <a:endParaRPr lang="en-US" dirty="0" smtClean="0"/>
           </a:p>
           <a:p>
             <a:pPr lvl="1"/>
@@ -3357,7 +3392,28 @@
             <a:pPr lvl="1"/>
             <a:r>
               <a:rPr lang="en-US" dirty="0" smtClean="0"/>
-              <a:t>Another issue is careful selection of which feature to base segmentation on.</a:t>
+              <a:t>Another issue is careful selection of which feature to base segmentation on</a:t>
+            </a:r>
+            <a:r>
+              <a:rPr lang="en-US" dirty="0" smtClean="0"/>
+              <a:t>.</a:t>
+            </a:r>
+          </a:p>
+          <a:p>
+            <a:pPr lvl="2"/>
+            <a:r>
+              <a:rPr lang="en-US" dirty="0" smtClean="0"/>
+              <a:t>Consider how to treat data outliers, scaling, standardization (</a:t>
+            </a:r>
+            <a:r>
+              <a:rPr lang="en-US" dirty="0" smtClean="0">
+                <a:hlinkClick r:id="rId2"/>
+              </a:rPr>
+              <a:t>PhD paper good read</a:t>
+            </a:r>
+            <a:r>
+              <a:rPr lang="en-US" dirty="0" smtClean="0"/>
+              <a:t>)</a:t>
             </a:r>
             <a:endParaRPr lang="en-US" dirty="0"/>
           </a:p>
@@ -3429,7 +3485,12 @@
             <p:ph idx="1"/>
           </p:nvPr>
         </p:nvSpPr>
-        <p:spPr/>
+        <p:spPr>
+          <a:xfrm>
+            <a:off x="838200" y="1690688"/>
+            <a:ext cx="10515600" cy="4351338"/>
+          </a:xfrm>
+        </p:spPr>
         <p:txBody>
           <a:bodyPr/>
           <a:lstStyle/>
@@ -3447,22 +3508,26 @@
             </a:r>
             <a:r>
               <a:rPr lang="en-US" dirty="0" smtClean="0"/>
-              <a:t>- manipulating product attributes and observing customer ratings for that product (Table5.1)</a:t>
+              <a:t>- manipulating product attributes and observing customer ratings for that product (Table5.1).</a:t>
             </a:r>
           </a:p>
           <a:p>
             <a:pPr lvl="1"/>
             <a:r>
+              <a:rPr lang="en-US" dirty="0" smtClean="0"/>
+              <a:t>Infer what product attributes consumers might </a:t>
+            </a:r>
+            <a:r>
               <a:rPr lang="en-US" dirty="0"/>
-              <a:t>Analyze what </a:t>
+              <a:t>be willing to </a:t>
+            </a:r>
+            <a:r>
+              <a:rPr lang="en-US" dirty="0" smtClean="0"/>
+              <a:t>sacrifice </a:t>
             </a:r>
             <a:r>
               <a:rPr lang="en-US" dirty="0"/>
-              <a:t>average consumers would be willing to give up on one particular </a:t>
-            </a:r>
-            <a:r>
-              <a:rPr lang="en-US" dirty="0"/>
-              <a:t>attribute to gain </a:t>
+              <a:t>to gain </a:t>
             </a:r>
             <a:r>
               <a:rPr lang="en-US" dirty="0"/>
@@ -3470,7 +3535,47 @@
             </a:r>
             <a:r>
               <a:rPr lang="en-US" dirty="0" smtClean="0"/>
-              <a:t>another.</a:t>
+              <a:t>another. Caveats: </a:t>
+            </a:r>
+            <a:r>
+              <a:rPr lang="en-US" dirty="0" smtClean="0">
+                <a:hlinkClick r:id="rId2"/>
+              </a:rPr>
+              <a:t>AYTM</a:t>
+            </a:r>
+            <a:r>
+              <a:rPr lang="en-US" dirty="0" smtClean="0"/>
+              <a:t>, </a:t>
+            </a:r>
+            <a:r>
+              <a:rPr lang="en-US" dirty="0" smtClean="0">
+                <a:hlinkClick r:id="rId3"/>
+              </a:rPr>
+              <a:t>PBWT</a:t>
+            </a:r>
+            <a:r>
+              <a:rPr lang="en-US" dirty="0" smtClean="0"/>
+              <a:t>, </a:t>
+            </a:r>
+            <a:r>
+              <a:rPr lang="en-US" dirty="0" smtClean="0">
+                <a:hlinkClick r:id="rId4"/>
+              </a:rPr>
+              <a:t>HBS</a:t>
+            </a:r>
+            <a:r>
+              <a:rPr lang="en-US" dirty="0" smtClean="0"/>
+              <a:t>, </a:t>
+            </a:r>
+            <a:r>
+              <a:rPr lang="en-US" dirty="0" smtClean="0">
+                <a:hlinkClick r:id="rId5"/>
+              </a:rPr>
+              <a:t>Microsoft</a:t>
+            </a:r>
+            <a:r>
+              <a:rPr lang="en-US" dirty="0" smtClean="0"/>
+              <a:t>.</a:t>
             </a:r>
           </a:p>
           <a:p>
@@ -3485,7 +3590,7 @@
             </a:r>
             <a:r>
               <a:rPr lang="en-US" dirty="0" smtClean="0"/>
-              <a:t> the variance of estimated utility within a given attribute.</a:t>
+              <a:t> the variance of estimated utility within a given attribute. Not dissimilar from the concept of ANOVA (Analysis of Variance).</a:t>
             </a:r>
             <a:endParaRPr lang="en-US" dirty="0"/>
           </a:p>
@@ -3500,7 +3605,7 @@
           <p:nvPr/>
         </p:nvPicPr>
         <p:blipFill>
-          <a:blip r:embed="rId2">
+          <a:blip r:embed="rId6">
             <a:extLst>
               <a:ext uri="{28A0092B-C50C-407E-A947-70E740481C1C}">
                 <a14:useLocalDpi xmlns:a14="http://schemas.microsoft.com/office/drawing/2010/main" val="0"/>
@@ -3513,7 +3618,7 @@
         </p:blipFill>
         <p:spPr>
           <a:xfrm>
-            <a:off x="1125590" y="4254500"/>
+            <a:off x="1125590" y="4371448"/>
             <a:ext cx="5460145" cy="2057400"/>
           </a:xfrm>
           <a:prstGeom prst="rect">
@@ -3530,7 +3635,7 @@
           <p:nvPr/>
         </p:nvPicPr>
         <p:blipFill>
-          <a:blip r:embed="rId3">
+          <a:blip r:embed="rId7">
             <a:extLst>
               <a:ext uri="{28A0092B-C50C-407E-A947-70E740481C1C}">
                 <a14:useLocalDpi xmlns:a14="http://schemas.microsoft.com/office/drawing/2010/main" val="0"/>
